--- a/util/MODELO APRESENTAÇÃO - TÓPICOS INTEGRADORES.pptx
+++ b/util/MODELO APRESENTAÇÃO - TÓPICOS INTEGRADORES.pptx
@@ -1986,7 +1986,7 @@
       <dgm:spPr/>
     </dgm:pt>
     <dgm:pt modelId="{869E9044-77B2-4FB6-97C8-CA090D872F10}" type="pres">
-      <dgm:prSet presAssocID="{C0DD37BA-509D-440C-AFB4-375BC395C80E}" presName="bentUpArrow1" presStyleLbl="alignImgPlace1" presStyleIdx="1" presStyleCnt="3" custLinFactX="-53422" custLinFactNeighborX="-100000" custLinFactNeighborY="-35490"/>
+      <dgm:prSet presAssocID="{C0DD37BA-509D-440C-AFB4-375BC395C80E}" presName="bentUpArrow1" presStyleLbl="alignImgPlace1" presStyleIdx="1" presStyleCnt="3" custLinFactNeighborX="-98018" custLinFactNeighborY="-15779"/>
       <dgm:spPr/>
     </dgm:pt>
     <dgm:pt modelId="{A9770EF0-9B15-4962-8C8B-6E695A8D808F}" type="pres">
@@ -2018,11 +2018,11 @@
       <dgm:spPr/>
     </dgm:pt>
     <dgm:pt modelId="{AF24C470-7AC2-4EB8-A62E-06DFA7F03315}" type="pres">
-      <dgm:prSet presAssocID="{039F5806-63F3-4024-9A21-EDC88D8A127B}" presName="bentUpArrow1" presStyleLbl="alignImgPlace1" presStyleIdx="2" presStyleCnt="3" custLinFactX="-100000" custLinFactNeighborX="-182883" custLinFactNeighborY="-7749"/>
+      <dgm:prSet presAssocID="{039F5806-63F3-4024-9A21-EDC88D8A127B}" presName="bentUpArrow1" presStyleLbl="alignImgPlace1" presStyleIdx="2" presStyleCnt="3" custLinFactX="-52523" custLinFactNeighborX="-100000" custLinFactNeighborY="-17814"/>
       <dgm:spPr/>
     </dgm:pt>
     <dgm:pt modelId="{52A23D6C-726A-4FF2-B97B-7B9E7A740EBE}" type="pres">
-      <dgm:prSet presAssocID="{039F5806-63F3-4024-9A21-EDC88D8A127B}" presName="ParentText" presStyleLbl="node1" presStyleIdx="2" presStyleCnt="4" custScaleX="234202" custScaleY="76943" custLinFactNeighborX="-65150" custLinFactNeighborY="-17813">
+      <dgm:prSet presAssocID="{039F5806-63F3-4024-9A21-EDC88D8A127B}" presName="ParentText" presStyleLbl="node1" presStyleIdx="2" presStyleCnt="4" custScaleX="234202" custScaleY="76943" custLinFactNeighborX="-27680" custLinFactNeighborY="-7776">
         <dgm:presLayoutVars>
           <dgm:chMax val="1"/>
           <dgm:chPref val="1"/>
@@ -2050,7 +2050,7 @@
       <dgm:spPr/>
     </dgm:pt>
     <dgm:pt modelId="{AD16D1FF-5676-4AF6-B1D5-F0EFF16BD45D}" type="pres">
-      <dgm:prSet presAssocID="{8CD4DFC3-7DF7-4902-A863-7CF47A587682}" presName="ParentText" presStyleLbl="node1" presStyleIdx="3" presStyleCnt="4" custScaleX="244711" custScaleY="67044" custLinFactX="-35625" custLinFactNeighborX="-100000" custLinFactNeighborY="12134">
+      <dgm:prSet presAssocID="{8CD4DFC3-7DF7-4902-A863-7CF47A587682}" presName="ParentText" presStyleLbl="node1" presStyleIdx="3" presStyleCnt="4" custScaleX="244711" custScaleY="67044" custLinFactNeighborX="-43812" custLinFactNeighborY="-10961">
         <dgm:presLayoutVars>
           <dgm:chMax val="1"/>
           <dgm:chPref val="1"/>
@@ -2317,7 +2317,7 @@
       </dsp:nvSpPr>
       <dsp:spPr>
         <a:xfrm rot="5400000">
-          <a:off x="943658" y="2158782"/>
+          <a:off x="1511824" y="2336333"/>
           <a:ext cx="900771" cy="1025496"/>
         </a:xfrm>
         <a:prstGeom prst="bentUpArrow">
@@ -2482,7 +2482,7 @@
       </dsp:nvSpPr>
       <dsp:spPr>
         <a:xfrm rot="5400000">
-          <a:off x="1417457" y="3478614"/>
+          <a:off x="2754295" y="3387951"/>
           <a:ext cx="900771" cy="1025496"/>
         </a:xfrm>
         <a:prstGeom prst="bentUpArrow">
@@ -2534,7 +2534,7 @@
       </dsp:nvSpPr>
       <dsp:spPr>
         <a:xfrm>
-          <a:off x="2074350" y="2483187"/>
+          <a:off x="2642534" y="2589720"/>
           <a:ext cx="3551367" cy="816680"/>
         </a:xfrm>
         <a:prstGeom prst="roundRect">
@@ -2604,7 +2604,7 @@
         </a:p>
       </dsp:txBody>
       <dsp:txXfrm>
-        <a:off x="2114224" y="2523061"/>
+        <a:off x="2682408" y="2629594"/>
         <a:ext cx="3471619" cy="736932"/>
       </dsp:txXfrm>
     </dsp:sp>
@@ -2647,7 +2647,7 @@
       </dsp:nvSpPr>
       <dsp:spPr>
         <a:xfrm>
-          <a:off x="2534880" y="3870995"/>
+          <a:off x="3927105" y="3625863"/>
           <a:ext cx="3710722" cy="711611"/>
         </a:xfrm>
         <a:prstGeom prst="roundRect">
@@ -2720,7 +2720,7 @@
         </a:p>
       </dsp:txBody>
       <dsp:txXfrm>
-        <a:off x="2569624" y="3905739"/>
+        <a:off x="3961849" y="3660607"/>
         <a:ext cx="3641234" cy="642123"/>
       </dsp:txXfrm>
     </dsp:sp>
@@ -5553,7 +5553,7 @@
               <a:pPr>
                 <a:defRPr/>
               </a:pPr>
-              <a:t>03/10/2025</a:t>
+              <a:t>04/10/2025</a:t>
             </a:fld>
             <a:endParaRPr lang="es-ES"/>
           </a:p>
@@ -6476,7 +6476,7 @@
               <a:pPr>
                 <a:defRPr/>
               </a:pPr>
-              <a:t>03/10/2025 3:21</a:t>
+              <a:t>04/10/2025 14:10</a:t>
             </a:fld>
             <a:endParaRPr lang="es-ES"/>
           </a:p>
@@ -6694,7 +6694,7 @@
               <a:pPr>
                 <a:defRPr/>
               </a:pPr>
-              <a:t>03/10/2025 3:21</a:t>
+              <a:t>04/10/2025 14:10</a:t>
             </a:fld>
             <a:endParaRPr lang="es-ES"/>
           </a:p>
@@ -7068,7 +7068,7 @@
               <a:pPr>
                 <a:defRPr/>
               </a:pPr>
-              <a:t>03/10/2025 3:21</a:t>
+              <a:t>04/10/2025 14:10</a:t>
             </a:fld>
             <a:endParaRPr lang="es-ES"/>
           </a:p>
@@ -7288,7 +7288,7 @@
               <a:pPr>
                 <a:defRPr/>
               </a:pPr>
-              <a:t>03/10/2025 3:21</a:t>
+              <a:t>04/10/2025 14:10</a:t>
             </a:fld>
             <a:endParaRPr lang="es-ES"/>
           </a:p>
@@ -7698,7 +7698,7 @@
               <a:pPr>
                 <a:defRPr/>
               </a:pPr>
-              <a:t>03/10/2025 3:21</a:t>
+              <a:t>04/10/2025 14:10</a:t>
             </a:fld>
             <a:endParaRPr lang="es-ES"/>
           </a:p>
@@ -7971,7 +7971,7 @@
               <a:pPr>
                 <a:defRPr/>
               </a:pPr>
-              <a:t>03/10/2025 3:21</a:t>
+              <a:t>04/10/2025 14:10</a:t>
             </a:fld>
             <a:endParaRPr lang="es-ES"/>
           </a:p>
@@ -8324,7 +8324,7 @@
               <a:pPr>
                 <a:defRPr/>
               </a:pPr>
-              <a:t>03/10/2025 3:21</a:t>
+              <a:t>04/10/2025 14:10</a:t>
             </a:fld>
             <a:endParaRPr lang="es-ES"/>
           </a:p>
@@ -8472,7 +8472,7 @@
               <a:pPr>
                 <a:defRPr/>
               </a:pPr>
-              <a:t>03/10/2025 3:21</a:t>
+              <a:t>04/10/2025 14:10</a:t>
             </a:fld>
             <a:endParaRPr lang="es-ES"/>
           </a:p>
@@ -8597,7 +8597,7 @@
               <a:pPr>
                 <a:defRPr/>
               </a:pPr>
-              <a:t>03/10/2025 3:21</a:t>
+              <a:t>04/10/2025 14:10</a:t>
             </a:fld>
             <a:endParaRPr lang="es-ES"/>
           </a:p>
@@ -8895,7 +8895,7 @@
               <a:pPr>
                 <a:defRPr/>
               </a:pPr>
-              <a:t>03/10/2025 3:21</a:t>
+              <a:t>04/10/2025 14:10</a:t>
             </a:fld>
             <a:endParaRPr lang="es-ES"/>
           </a:p>
@@ -9385,7 +9385,7 @@
               <a:pPr>
                 <a:defRPr/>
               </a:pPr>
-              <a:t>03/10/2025 3:21</a:t>
+              <a:t>04/10/2025 14:10</a:t>
             </a:fld>
             <a:endParaRPr lang="es-ES"/>
           </a:p>
@@ -9691,7 +9691,7 @@
               <a:pPr>
                 <a:defRPr/>
               </a:pPr>
-              <a:t>03/10/2025 3:21</a:t>
+              <a:t>04/10/2025 14:10</a:t>
             </a:fld>
             <a:endParaRPr lang="es-ES"/>
           </a:p>
@@ -11687,7 +11687,7 @@
         <p:spPr>
           <a:xfrm>
             <a:off x="470517" y="2121763"/>
-            <a:ext cx="7803471" cy="2031325"/>
+            <a:ext cx="7803471" cy="1477328"/>
           </a:xfrm>
           <a:prstGeom prst="rect">
             <a:avLst/>
@@ -11702,28 +11702,7 @@
           <a:p>
             <a:r>
               <a:rPr lang="pt-BR" dirty="0"/>
-              <a:t>Atividades Pendentes: </a:t>
-            </a:r>
-          </a:p>
-          <a:p>
-            <a:endParaRPr lang="pt-BR" dirty="0"/>
-          </a:p>
-          <a:p>
-            <a:r>
-              <a:rPr lang="pt-BR" dirty="0"/>
-              <a:t>Concluir o desenvolvimento do sistema</a:t>
-            </a:r>
-          </a:p>
-          <a:p>
-            <a:endParaRPr lang="pt-BR" dirty="0"/>
-          </a:p>
-          <a:p>
-            <a:endParaRPr lang="pt-BR" dirty="0"/>
-          </a:p>
-          <a:p>
-            <a:r>
-              <a:rPr lang="pt-BR" dirty="0"/>
-              <a:t>Integrar com as aplicações externas</a:t>
+              <a:t>Criando esse software facilitaremos pessoas com o tempo apertado a encontrar o que procuram na internet. Com a possibilidade de expansão para suportar dados e análise de melhor época do ano para compra, baseado no histórico de preço daquele mesmo item.</a:t>
             </a:r>
           </a:p>
           <a:p>
@@ -13391,42 +13370,6 @@
           </a:prstGeom>
         </p:spPr>
       </p:pic>
-      <p:pic>
-        <p:nvPicPr>
-          <p:cNvPr id="7" name="Imagem 6">
-            <a:extLst>
-              <a:ext uri="{FF2B5EF4-FFF2-40B4-BE49-F238E27FC236}">
-                <a16:creationId xmlns:a16="http://schemas.microsoft.com/office/drawing/2014/main" id="{5E04BBD4-8FD1-46EC-81E1-C3C1894445AE}"/>
-              </a:ext>
-            </a:extLst>
-          </p:cNvPr>
-          <p:cNvPicPr>
-            <a:picLocks noChangeAspect="1"/>
-          </p:cNvPicPr>
-          <p:nvPr/>
-        </p:nvPicPr>
-        <p:blipFill>
-          <a:blip r:embed="rId5" cstate="print">
-            <a:extLst>
-              <a:ext uri="{28A0092B-C50C-407E-A947-70E740481C1C}">
-                <a14:useLocalDpi xmlns:a14="http://schemas.microsoft.com/office/drawing/2010/main" val="0"/>
-              </a:ext>
-            </a:extLst>
-          </a:blip>
-          <a:stretch>
-            <a:fillRect/>
-          </a:stretch>
-        </p:blipFill>
-        <p:spPr>
-          <a:xfrm>
-            <a:off x="306324" y="1767335"/>
-            <a:ext cx="3972709" cy="3972709"/>
-          </a:xfrm>
-          <a:prstGeom prst="rect">
-            <a:avLst/>
-          </a:prstGeom>
-        </p:spPr>
-      </p:pic>
       <p:sp>
         <p:nvSpPr>
           <p:cNvPr id="8" name="CaixaDeTexto 7">
@@ -13441,8 +13384,8 @@
         </p:nvSpPr>
         <p:spPr>
           <a:xfrm>
-            <a:off x="4712013" y="3061193"/>
-            <a:ext cx="3654171" cy="2308324"/>
+            <a:off x="832040" y="3245858"/>
+            <a:ext cx="7479919" cy="1477328"/>
           </a:xfrm>
           <a:prstGeom prst="rect">
             <a:avLst/>
@@ -13457,7 +13400,31 @@
           <a:p>
             <a:r>
               <a:rPr lang="pt-BR" dirty="0"/>
-              <a:t>Nosso objetivo com esse aplicativo é deixar o usuário escolher dentre as lojas disponíveis e pesquisar pelo produto desejado, aparecendo resultados com boas avaliações, sendo o produto ideal para o usuário com boas promoções</a:t>
+              <a:t>Estamos desenvolvendo uma aplicação web utilizando HTML/CSS e </a:t>
+            </a:r>
+            <a:r>
+              <a:rPr lang="pt-BR" dirty="0" err="1"/>
+              <a:t>JavaScript</a:t>
+            </a:r>
+            <a:r>
+              <a:rPr lang="pt-BR" dirty="0"/>
+              <a:t> para o front-</a:t>
+            </a:r>
+            <a:r>
+              <a:rPr lang="pt-BR" dirty="0" err="1"/>
+              <a:t>end</a:t>
+            </a:r>
+            <a:r>
+              <a:rPr lang="pt-BR" dirty="0"/>
+              <a:t> e Spring Boot para operar o </a:t>
+            </a:r>
+            <a:r>
+              <a:rPr lang="pt-BR" dirty="0" err="1"/>
+              <a:t>back-end</a:t>
+            </a:r>
+            <a:r>
+              <a:rPr lang="pt-BR" dirty="0"/>
+              <a:t> e conversar com as APIs externas que serão utilizadas, seguindo as normas da arquitetura MVC e o modelo Cliente-Servidor processando as interações e realizando as buscas a partir de APIs REST</a:t>
             </a:r>
           </a:p>
         </p:txBody>
@@ -14150,7 +14117,7 @@
             <p:ph sz="quarter" idx="1"/>
             <p:extLst>
               <p:ext uri="{D42A27DB-BD31-4B8C-83A1-F6EECF244321}">
-                <p14:modId xmlns:p14="http://schemas.microsoft.com/office/powerpoint/2010/main" val="1087459431"/>
+                <p14:modId xmlns:p14="http://schemas.microsoft.com/office/powerpoint/2010/main" val="1936145145"/>
               </p:ext>
             </p:extLst>
           </p:nvPr>
@@ -15997,6 +15964,15 @@
 </file>
 
 <file path=customXml/item1.xml><?xml version="1.0" encoding="utf-8"?>
+<?mso-contentType ?>
+<FormTemplates xmlns="http://schemas.microsoft.com/sharepoint/v3/contenttype/forms">
+  <Display>DocumentLibraryForm</Display>
+  <Edit>DocumentLibraryForm</Edit>
+  <New>DocumentLibraryForm</New>
+</FormTemplates>
+</file>
+
+<file path=customXml/item2.xml><?xml version="1.0" encoding="utf-8"?>
 <ct:contentTypeSchema xmlns:ct="http://schemas.microsoft.com/office/2006/metadata/contentType" xmlns:ma="http://schemas.microsoft.com/office/2006/metadata/properties/metaAttributes" ct:_="" ma:_="" ma:contentTypeName="Document" ma:contentTypeID="0x01010096C10FD766D2F5449D6896DE93EC51DF" ma:contentTypeVersion="3" ma:contentTypeDescription="Create a new document." ma:contentTypeScope="" ma:versionID="c294bc32c43b1417dc50f8834fa1ecd4">
   <xsd:schema xmlns:xsd="http://www.w3.org/2001/XMLSchema" xmlns:xs="http://www.w3.org/2001/XMLSchema" xmlns:p="http://schemas.microsoft.com/office/2006/metadata/properties" xmlns:ns2="314424f7-2f0e-4c18-a5f7-c392ab75b191" targetNamespace="http://schemas.microsoft.com/office/2006/metadata/properties" ma:root="true" ma:fieldsID="c7723ac3c058ee1e659e8a0adbf1c40a" ns2:_="">
     <xsd:import namespace="314424f7-2f0e-4c18-a5f7-c392ab75b191"/>
@@ -16134,22 +16110,21 @@
 </ct:contentTypeSchema>
 </file>
 
-<file path=customXml/item2.xml><?xml version="1.0" encoding="utf-8"?>
+<file path=customXml/item3.xml><?xml version="1.0" encoding="utf-8"?>
 <p:properties xmlns:p="http://schemas.microsoft.com/office/2006/metadata/properties" xmlns:xsi="http://www.w3.org/2001/XMLSchema-instance" xmlns:pc="http://schemas.microsoft.com/office/infopath/2007/PartnerControls">
   <documentManagement/>
 </p:properties>
 </file>
 
-<file path=customXml/item3.xml><?xml version="1.0" encoding="utf-8"?>
-<?mso-contentType ?>
-<FormTemplates xmlns="http://schemas.microsoft.com/sharepoint/v3/contenttype/forms">
-  <Display>DocumentLibraryForm</Display>
-  <Edit>DocumentLibraryForm</Edit>
-  <New>DocumentLibraryForm</New>
-</FormTemplates>
+<file path=customXml/itemProps1.xml><?xml version="1.0" encoding="utf-8"?>
+<ds:datastoreItem xmlns:ds="http://schemas.openxmlformats.org/officeDocument/2006/customXml" ds:itemID="{C359668D-D91D-4CA4-8537-80515CEAC7B8}">
+  <ds:schemaRefs>
+    <ds:schemaRef ds:uri="http://schemas.microsoft.com/sharepoint/v3/contenttype/forms"/>
+  </ds:schemaRefs>
+</ds:datastoreItem>
 </file>
 
-<file path=customXml/itemProps1.xml><?xml version="1.0" encoding="utf-8"?>
+<file path=customXml/itemProps2.xml><?xml version="1.0" encoding="utf-8"?>
 <ds:datastoreItem xmlns:ds="http://schemas.openxmlformats.org/officeDocument/2006/customXml" ds:itemID="{A03267B0-2BF6-4DE2-96DF-7DF82CF9809A}">
   <ds:schemaRefs>
     <ds:schemaRef ds:uri="314424f7-2f0e-4c18-a5f7-c392ab75b191"/>
@@ -16167,7 +16142,7 @@
 </ds:datastoreItem>
 </file>
 
-<file path=customXml/itemProps2.xml><?xml version="1.0" encoding="utf-8"?>
+<file path=customXml/itemProps3.xml><?xml version="1.0" encoding="utf-8"?>
 <ds:datastoreItem xmlns:ds="http://schemas.openxmlformats.org/officeDocument/2006/customXml" ds:itemID="{00111700-7020-4DEC-AC18-D07BEEA64FE2}">
   <ds:schemaRefs>
     <ds:schemaRef ds:uri="http://schemas.microsoft.com/office/2006/metadata/properties"/>
@@ -16181,12 +16156,4 @@
     <ds:schemaRef ds:uri="http://purl.org/dc/terms/"/>
   </ds:schemaRefs>
 </ds:datastoreItem>
-</file>
-
-<file path=customXml/itemProps3.xml><?xml version="1.0" encoding="utf-8"?>
-<ds:datastoreItem xmlns:ds="http://schemas.openxmlformats.org/officeDocument/2006/customXml" ds:itemID="{C359668D-D91D-4CA4-8537-80515CEAC7B8}">
-  <ds:schemaRefs>
-    <ds:schemaRef ds:uri="http://schemas.microsoft.com/sharepoint/v3/contenttype/forms"/>
-  </ds:schemaRefs>
-</ds:datastoreItem>
 </file>